--- a/product-hunt/challenges-jul-6.pptx
+++ b/product-hunt/challenges-jul-6.pptx
@@ -3221,9 +3221,42 @@
               </a:rPr>
               <a:t>C – Need to align center. Was having difficulty but should be a Google search away.</a:t>
             </a:r>
+          </a:p>
+          <a:p>
             <a:endParaRPr lang="en-US" sz="1200" dirty="0">
               <a:solidFill>
                 <a:schemeClr val="tx1"/>
+              </a:solidFill>
+            </a:endParaRPr>
+          </a:p>
+          <a:p>
+            <a:r>
+              <a:rPr lang="en-US" sz="1200" dirty="0" smtClean="0">
+                <a:solidFill>
+                  <a:srgbClr val="FF0000"/>
+                </a:solidFill>
+              </a:rPr>
+              <a:t>D – I’ve got responsive design coded in a </a:t>
+            </a:r>
+            <a:r>
+              <a:rPr lang="en-US" sz="1200" dirty="0" err="1" smtClean="0">
+                <a:solidFill>
+                  <a:srgbClr val="FF0000"/>
+                </a:solidFill>
+              </a:rPr>
+              <a:t>hacky</a:t>
+            </a:r>
+            <a:r>
+              <a:rPr lang="en-US" sz="1200" dirty="0" smtClean="0">
+                <a:solidFill>
+                  <a:srgbClr val="FF0000"/>
+                </a:solidFill>
+              </a:rPr>
+              <a:t> way. Need help with next steps. TOP PRIORITY </a:t>
+            </a:r>
+            <a:endParaRPr lang="en-US" sz="1200" dirty="0">
+              <a:solidFill>
+                <a:srgbClr val="FF0000"/>
               </a:solidFill>
             </a:endParaRPr>
           </a:p>
